--- a/페이징알고리즘.pptx
+++ b/페이징알고리즘.pptx
@@ -8958,6 +8958,73 @@
           </a:p>
         </p:txBody>
       </p:sp>
+      <p:sp>
+        <p:nvSpPr>
+          <p:cNvPr id="2" name="TextBox 1">
+            <a:extLst>
+              <a:ext uri="{FF2B5EF4-FFF2-40B4-BE49-F238E27FC236}">
+                <a16:creationId xmlns:a16="http://schemas.microsoft.com/office/drawing/2014/main" id="{82C308B0-B478-4EF1-84C6-7851FEDBE717}"/>
+              </a:ext>
+            </a:extLst>
+          </p:cNvPr>
+          <p:cNvSpPr txBox="1"/>
+          <p:nvPr/>
+        </p:nvSpPr>
+        <p:spPr>
+          <a:xfrm>
+            <a:off x="5899051" y="6035040"/>
+            <a:ext cx="6045245" cy="369332"/>
+          </a:xfrm>
+          <a:prstGeom prst="rect">
+            <a:avLst/>
+          </a:prstGeom>
+          <a:noFill/>
+        </p:spPr>
+        <p:txBody>
+          <a:bodyPr wrap="none" rtlCol="0">
+            <a:spAutoFit/>
+          </a:bodyPr>
+          <a:lstStyle/>
+          <a:p>
+            <a:r>
+              <a:rPr lang="ko-KR" altLang="en-US" dirty="0">
+                <a:solidFill>
+                  <a:schemeClr val="bg1"/>
+                </a:solidFill>
+              </a:rPr>
+              <a:t>소스 코드</a:t>
+            </a:r>
+            <a:r>
+              <a:rPr lang="en-US" altLang="ko-KR" dirty="0">
+                <a:solidFill>
+                  <a:schemeClr val="bg1"/>
+                </a:solidFill>
+              </a:rPr>
+              <a:t>: </a:t>
+            </a:r>
+            <a:r>
+              <a:rPr lang="en-US" altLang="ko-KR" dirty="0">
+                <a:solidFill>
+                  <a:schemeClr val="bg1"/>
+                </a:solidFill>
+                <a:hlinkClick r:id="rId2">
+                  <a:extLst>
+                    <a:ext uri="{A12FA001-AC4F-418D-AE19-62706E023703}">
+                      <ahyp:hlinkClr xmlns:ahyp="http://schemas.microsoft.com/office/drawing/2018/hyperlinkcolor" val="tx"/>
+                    </a:ext>
+                  </a:extLst>
+                </a:hlinkClick>
+              </a:rPr>
+              <a:t>https://github.com/nacastle/PagingAlgorithm</a:t>
+            </a:r>
+            <a:endParaRPr lang="ko-KR" altLang="en-US" dirty="0">
+              <a:solidFill>
+                <a:schemeClr val="bg1"/>
+              </a:solidFill>
+            </a:endParaRPr>
+          </a:p>
+        </p:txBody>
+      </p:sp>
     </p:spTree>
     <p:extLst>
       <p:ext uri="{BB962C8B-B14F-4D97-AF65-F5344CB8AC3E}">
@@ -20398,36 +20465,6 @@
       </p:pic>
       <p:pic>
         <p:nvPicPr>
-          <p:cNvPr id="25" name="그림 24">
-            <a:extLst>
-              <a:ext uri="{FF2B5EF4-FFF2-40B4-BE49-F238E27FC236}">
-                <a16:creationId xmlns:a16="http://schemas.microsoft.com/office/drawing/2014/main" id="{F1EE538E-E3BD-4610-816F-A7E7C604A64C}"/>
-              </a:ext>
-            </a:extLst>
-          </p:cNvPr>
-          <p:cNvPicPr>
-            <a:picLocks noChangeAspect="1"/>
-          </p:cNvPicPr>
-          <p:nvPr/>
-        </p:nvPicPr>
-        <p:blipFill>
-          <a:blip r:embed="rId3"/>
-          <a:stretch>
-            <a:fillRect/>
-          </a:stretch>
-        </p:blipFill>
-        <p:spPr>
-          <a:xfrm>
-            <a:off x="3457639" y="4190614"/>
-            <a:ext cx="4759671" cy="2302063"/>
-          </a:xfrm>
-          <a:prstGeom prst="rect">
-            <a:avLst/>
-          </a:prstGeom>
-        </p:spPr>
-      </p:pic>
-      <p:pic>
-        <p:nvPicPr>
           <p:cNvPr id="2" name="그림 1">
             <a:extLst>
               <a:ext uri="{FF2B5EF4-FFF2-40B4-BE49-F238E27FC236}">
@@ -20441,7 +20478,7 @@
           <p:nvPr/>
         </p:nvPicPr>
         <p:blipFill>
-          <a:blip r:embed="rId4"/>
+          <a:blip r:embed="rId3"/>
           <a:stretch>
             <a:fillRect/>
           </a:stretch>
@@ -20471,7 +20508,7 @@
           <p:nvPr/>
         </p:nvPicPr>
         <p:blipFill>
-          <a:blip r:embed="rId5"/>
+          <a:blip r:embed="rId4"/>
           <a:stretch>
             <a:fillRect/>
           </a:stretch>
@@ -20722,6 +20759,36 @@
           </a:p>
         </p:txBody>
       </p:sp>
+      <p:pic>
+        <p:nvPicPr>
+          <p:cNvPr id="4" name="그림 3">
+            <a:extLst>
+              <a:ext uri="{FF2B5EF4-FFF2-40B4-BE49-F238E27FC236}">
+                <a16:creationId xmlns:a16="http://schemas.microsoft.com/office/drawing/2014/main" id="{1DDE83F1-0134-404D-B642-938859233DBD}"/>
+              </a:ext>
+            </a:extLst>
+          </p:cNvPr>
+          <p:cNvPicPr>
+            <a:picLocks noChangeAspect="1"/>
+          </p:cNvPicPr>
+          <p:nvPr/>
+        </p:nvPicPr>
+        <p:blipFill>
+          <a:blip r:embed="rId5"/>
+          <a:stretch>
+            <a:fillRect/>
+          </a:stretch>
+        </p:blipFill>
+        <p:spPr>
+          <a:xfrm>
+            <a:off x="3431668" y="4148919"/>
+            <a:ext cx="4988058" cy="2499558"/>
+          </a:xfrm>
+          <a:prstGeom prst="rect">
+            <a:avLst/>
+          </a:prstGeom>
+        </p:spPr>
+      </p:pic>
     </p:spTree>
     <p:extLst>
       <p:ext uri="{BB962C8B-B14F-4D97-AF65-F5344CB8AC3E}">
@@ -21075,7 +21142,7 @@
                                           </p:stCondLst>
                                         </p:cTn>
                                         <p:tgtEl>
-                                          <p:spTgt spid="25"/>
+                                          <p:spTgt spid="4"/>
                                         </p:tgtEl>
                                         <p:attrNameLst>
                                           <p:attrName>style.visibility</p:attrName>
@@ -21089,7 +21156,7 @@
                                       <p:cBhvr>
                                         <p:cTn id="35" dur="500"/>
                                         <p:tgtEl>
-                                          <p:spTgt spid="25"/>
+                                          <p:spTgt spid="4"/>
                                         </p:tgtEl>
                                       </p:cBhvr>
                                     </p:animEffect>
